--- a/slide/chap0.pptx
+++ b/slide/chap0.pptx
@@ -3841,7 +3841,13 @@
           <p:nvPr/>
         </p:nvPicPr>
         <p:blipFill>
-          <a:blip r:embed="rId2"/>
+          <a:blip r:embed="rId2" cstate="screen">
+            <a:extLst>
+              <a:ext uri="{28A0092B-C50C-407E-A947-70E740481C1C}">
+                <a14:useLocalDpi xmlns:a14="http://schemas.microsoft.com/office/drawing/2010/main"/>
+              </a:ext>
+            </a:extLst>
+          </a:blip>
           <a:stretch>
             <a:fillRect/>
           </a:stretch>
@@ -5109,10 +5115,10 @@
           <p:nvPr/>
         </p:nvPicPr>
         <p:blipFill>
-          <a:blip r:embed="rId2">
+          <a:blip r:embed="rId2" cstate="screen">
             <a:extLst>
               <a:ext uri="{28A0092B-C50C-407E-A947-70E740481C1C}">
-                <a14:useLocalDpi xmlns:a14="http://schemas.microsoft.com/office/drawing/2010/main" val="0"/>
+                <a14:useLocalDpi xmlns:a14="http://schemas.microsoft.com/office/drawing/2010/main"/>
               </a:ext>
             </a:extLst>
           </a:blip>
@@ -5145,10 +5151,10 @@
           <p:nvPr/>
         </p:nvPicPr>
         <p:blipFill>
-          <a:blip r:embed="rId3">
+          <a:blip r:embed="rId3" cstate="screen">
             <a:extLst>
               <a:ext uri="{28A0092B-C50C-407E-A947-70E740481C1C}">
-                <a14:useLocalDpi xmlns:a14="http://schemas.microsoft.com/office/drawing/2010/main" val="0"/>
+                <a14:useLocalDpi xmlns:a14="http://schemas.microsoft.com/office/drawing/2010/main"/>
               </a:ext>
             </a:extLst>
           </a:blip>
@@ -5181,10 +5187,10 @@
           <p:nvPr/>
         </p:nvPicPr>
         <p:blipFill>
-          <a:blip r:embed="rId4">
+          <a:blip r:embed="rId4" cstate="screen">
             <a:extLst>
               <a:ext uri="{28A0092B-C50C-407E-A947-70E740481C1C}">
-                <a14:useLocalDpi xmlns:a14="http://schemas.microsoft.com/office/drawing/2010/main" val="0"/>
+                <a14:useLocalDpi xmlns:a14="http://schemas.microsoft.com/office/drawing/2010/main"/>
               </a:ext>
             </a:extLst>
           </a:blip>
@@ -5217,10 +5223,10 @@
           <p:nvPr/>
         </p:nvPicPr>
         <p:blipFill>
-          <a:blip r:embed="rId5">
+          <a:blip r:embed="rId5" cstate="screen">
             <a:extLst>
               <a:ext uri="{28A0092B-C50C-407E-A947-70E740481C1C}">
-                <a14:useLocalDpi xmlns:a14="http://schemas.microsoft.com/office/drawing/2010/main" val="0"/>
+                <a14:useLocalDpi xmlns:a14="http://schemas.microsoft.com/office/drawing/2010/main"/>
               </a:ext>
             </a:extLst>
           </a:blip>
@@ -7058,10 +7064,10 @@
           <p:nvPr/>
         </p:nvPicPr>
         <p:blipFill>
-          <a:blip r:embed="rId2">
+          <a:blip r:embed="rId2" cstate="screen">
             <a:extLst>
               <a:ext uri="{28A0092B-C50C-407E-A947-70E740481C1C}">
-                <a14:useLocalDpi xmlns:a14="http://schemas.microsoft.com/office/drawing/2010/main" val="0"/>
+                <a14:useLocalDpi xmlns:a14="http://schemas.microsoft.com/office/drawing/2010/main"/>
               </a:ext>
             </a:extLst>
           </a:blip>
@@ -7303,10 +7309,10 @@
           <p:nvPr/>
         </p:nvPicPr>
         <p:blipFill>
-          <a:blip r:embed="rId3">
+          <a:blip r:embed="rId3" cstate="screen">
             <a:extLst>
               <a:ext uri="{28A0092B-C50C-407E-A947-70E740481C1C}">
-                <a14:useLocalDpi xmlns:a14="http://schemas.microsoft.com/office/drawing/2010/main" val="0"/>
+                <a14:useLocalDpi xmlns:a14="http://schemas.microsoft.com/office/drawing/2010/main"/>
               </a:ext>
             </a:extLst>
           </a:blip>
